--- a/Prezentacja_indywi.pptx
+++ b/Prezentacja_indywi.pptx
@@ -288,7 +288,7 @@
           <a:p>
             <a:fld id="{48A87A34-81AB-432B-8DAE-1953F412C126}" type="datetimeFigureOut">
               <a:rPr lang="en-US" dirty="0"/>
-              <a:t>3/21/2024</a:t>
+              <a:t>2/29/2024</a:t>
             </a:fld>
             <a:endParaRPr lang="en-US" dirty="0"/>
           </a:p>
@@ -550,7 +550,7 @@
           <a:p>
             <a:fld id="{48A87A34-81AB-432B-8DAE-1953F412C126}" type="datetimeFigureOut">
               <a:rPr lang="en-US" dirty="0"/>
-              <a:t>3/21/2024</a:t>
+              <a:t>2/29/2024</a:t>
             </a:fld>
             <a:endParaRPr lang="en-US" dirty="0"/>
           </a:p>
@@ -777,7 +777,7 @@
             <a:fld id="{48A87A34-81AB-432B-8DAE-1953F412C126}" type="datetimeFigureOut">
               <a:rPr lang="en-US" dirty="0"/>
               <a:pPr/>
-              <a:t>3/21/2024</a:t>
+              <a:t>2/29/2024</a:t>
             </a:fld>
             <a:endParaRPr lang="en-US" dirty="0"/>
           </a:p>
@@ -1083,7 +1083,7 @@
             <a:fld id="{48A87A34-81AB-432B-8DAE-1953F412C126}" type="datetimeFigureOut">
               <a:rPr lang="en-US" dirty="0"/>
               <a:pPr/>
-              <a:t>3/21/2024</a:t>
+              <a:t>2/29/2024</a:t>
             </a:fld>
             <a:endParaRPr lang="en-US" dirty="0"/>
           </a:p>
@@ -1552,7 +1552,7 @@
             <a:fld id="{48A87A34-81AB-432B-8DAE-1953F412C126}" type="datetimeFigureOut">
               <a:rPr lang="en-US" dirty="0"/>
               <a:pPr/>
-              <a:t>3/21/2024</a:t>
+              <a:t>2/29/2024</a:t>
             </a:fld>
             <a:endParaRPr lang="en-US" dirty="0"/>
           </a:p>
@@ -2094,7 +2094,7 @@
           <a:p>
             <a:fld id="{48A87A34-81AB-432B-8DAE-1953F412C126}" type="datetimeFigureOut">
               <a:rPr lang="en-US" dirty="0"/>
-              <a:t>3/21/2024</a:t>
+              <a:t>2/29/2024</a:t>
             </a:fld>
             <a:endParaRPr lang="en-US" dirty="0"/>
           </a:p>
@@ -2863,7 +2863,7 @@
           <a:p>
             <a:fld id="{48A87A34-81AB-432B-8DAE-1953F412C126}" type="datetimeFigureOut">
               <a:rPr lang="en-US" dirty="0"/>
-              <a:t>3/21/2024</a:t>
+              <a:t>2/29/2024</a:t>
             </a:fld>
             <a:endParaRPr lang="en-US" dirty="0"/>
           </a:p>
@@ -3033,7 +3033,7 @@
           <a:p>
             <a:fld id="{48A87A34-81AB-432B-8DAE-1953F412C126}" type="datetimeFigureOut">
               <a:rPr lang="en-US" dirty="0"/>
-              <a:t>3/21/2024</a:t>
+              <a:t>2/29/2024</a:t>
             </a:fld>
             <a:endParaRPr lang="en-US" dirty="0"/>
           </a:p>
@@ -3252,7 +3252,7 @@
             <a:fld id="{48A87A34-81AB-432B-8DAE-1953F412C126}" type="datetimeFigureOut">
               <a:rPr lang="en-US" dirty="0"/>
               <a:pPr/>
-              <a:t>3/21/2024</a:t>
+              <a:t>2/29/2024</a:t>
             </a:fld>
             <a:endParaRPr lang="en-US" dirty="0"/>
           </a:p>
@@ -3427,7 +3427,7 @@
           <a:p>
             <a:fld id="{48A87A34-81AB-432B-8DAE-1953F412C126}" type="datetimeFigureOut">
               <a:rPr lang="en-US" dirty="0"/>
-              <a:t>3/21/2024</a:t>
+              <a:t>2/29/2024</a:t>
             </a:fld>
             <a:endParaRPr lang="en-US" dirty="0"/>
           </a:p>
@@ -3712,7 +3712,7 @@
             <a:fld id="{48A87A34-81AB-432B-8DAE-1953F412C126}" type="datetimeFigureOut">
               <a:rPr lang="en-US" dirty="0"/>
               <a:pPr/>
-              <a:t>3/21/2024</a:t>
+              <a:t>2/29/2024</a:t>
             </a:fld>
             <a:endParaRPr lang="en-US" dirty="0"/>
           </a:p>
@@ -3949,7 +3949,7 @@
           <a:p>
             <a:fld id="{48A87A34-81AB-432B-8DAE-1953F412C126}" type="datetimeFigureOut">
               <a:rPr lang="en-US" dirty="0"/>
-              <a:t>3/21/2024</a:t>
+              <a:t>2/29/2024</a:t>
             </a:fld>
             <a:endParaRPr lang="en-US" dirty="0"/>
           </a:p>
@@ -4323,7 +4323,7 @@
           <a:p>
             <a:fld id="{48A87A34-81AB-432B-8DAE-1953F412C126}" type="datetimeFigureOut">
               <a:rPr lang="en-US" dirty="0"/>
-              <a:t>3/21/2024</a:t>
+              <a:t>2/29/2024</a:t>
             </a:fld>
             <a:endParaRPr lang="en-US" dirty="0"/>
           </a:p>
@@ -4436,7 +4436,7 @@
           <a:p>
             <a:fld id="{48A87A34-81AB-432B-8DAE-1953F412C126}" type="datetimeFigureOut">
               <a:rPr lang="en-US" dirty="0"/>
-              <a:t>3/21/2024</a:t>
+              <a:t>2/29/2024</a:t>
             </a:fld>
             <a:endParaRPr lang="en-US" dirty="0"/>
           </a:p>
@@ -4526,7 +4526,7 @@
           <a:p>
             <a:fld id="{48A87A34-81AB-432B-8DAE-1953F412C126}" type="datetimeFigureOut">
               <a:rPr lang="en-US" dirty="0"/>
-              <a:t>3/21/2024</a:t>
+              <a:t>2/29/2024</a:t>
             </a:fld>
             <a:endParaRPr lang="en-US" dirty="0"/>
           </a:p>
@@ -4770,7 +4770,7 @@
           <a:p>
             <a:fld id="{48A87A34-81AB-432B-8DAE-1953F412C126}" type="datetimeFigureOut">
               <a:rPr lang="en-US" dirty="0"/>
-              <a:t>3/21/2024</a:t>
+              <a:t>2/29/2024</a:t>
             </a:fld>
             <a:endParaRPr lang="en-US" dirty="0"/>
           </a:p>
@@ -5022,7 +5022,7 @@
           <a:p>
             <a:fld id="{48A87A34-81AB-432B-8DAE-1953F412C126}" type="datetimeFigureOut">
               <a:rPr lang="en-US" dirty="0"/>
-              <a:t>3/21/2024</a:t>
+              <a:t>2/29/2024</a:t>
             </a:fld>
             <a:endParaRPr lang="en-US" dirty="0"/>
           </a:p>
@@ -5261,7 +5261,7 @@
             <a:fld id="{48A87A34-81AB-432B-8DAE-1953F412C126}" type="datetimeFigureOut">
               <a:rPr lang="en-US" dirty="0"/>
               <a:pPr/>
-              <a:t>3/21/2024</a:t>
+              <a:t>2/29/2024</a:t>
             </a:fld>
             <a:endParaRPr lang="en-US" dirty="0"/>
           </a:p>
@@ -5692,8 +5692,13 @@
             <a:pPr algn="ctr"/>
             <a:r>
               <a:rPr lang="pl-PL" dirty="0"/>
-              <a:t>Knight Story</a:t>
-            </a:r>
+              <a:t>Multi </a:t>
+            </a:r>
+            <a:r>
+              <a:rPr lang="pl-PL" dirty="0" err="1"/>
+              <a:t>trainer</a:t>
+            </a:r>
+            <a:endParaRPr lang="pl-PL" dirty="0"/>
           </a:p>
         </p:txBody>
       </p:sp>
@@ -5811,7 +5816,19 @@
             </a:r>
             <a:r>
               <a:rPr lang="pl-PL" dirty="0"/>
-              <a:t>, gra platformowa będzie polegała na przechodzeniu przez poziomy, które będą zwiększać swój poziom trudności oraz implementowały nowe mechaniki.</a:t>
+              <a:t>, łączy modele treningowe z różnych znanych typów gier online takich jak FPS, MOBA.</a:t>
+            </a:r>
+          </a:p>
+          <a:p>
+            <a:pPr marL="0" indent="0">
+              <a:lnSpc>
+                <a:spcPct val="100000"/>
+              </a:lnSpc>
+              <a:buNone/>
+            </a:pPr>
+            <a:r>
+              <a:rPr lang="pl-PL" dirty="0"/>
+              <a:t>Do gry zostanie dodany również tryb szybkiego pisania oraz testu na czas reakcji.</a:t>
             </a:r>
           </a:p>
         </p:txBody>
@@ -6028,7 +6045,7 @@
           <a:p>
             <a:r>
               <a:rPr lang="pl-PL" dirty="0"/>
-              <a:t>Stworzenie menu, funkcjonalności poruszania się po menu, poruszanie się oraz animację bohatera.</a:t>
+              <a:t>Stworzenie menu, funkcjonalności poruszania się po menu, Początek gry treningowej FPS, pojawianie się celów, system punktów.</a:t>
             </a:r>
           </a:p>
         </p:txBody>
@@ -6120,7 +6137,7 @@
           <a:p>
             <a:r>
               <a:rPr lang="pl-PL" dirty="0"/>
-              <a:t>Dodanie przeciwników oraz dodanie kolejnych poziomów, mechanika klucza i drzwi oraz podwójnego skoku</a:t>
+              <a:t>Dokończenie gier treningowych FPS. Początek gier MOBA, tworzenie umiejętności, ruch.</a:t>
             </a:r>
           </a:p>
         </p:txBody>
@@ -6218,7 +6235,13 @@
           <a:p>
             <a:r>
               <a:rPr lang="pl-PL" dirty="0"/>
-              <a:t>Kolejne poziomy, zwiększona trudność oraz mechanika eliksiru</a:t>
+              <a:t>Dokończenie gry treningowej MOBA.</a:t>
+            </a:r>
+          </a:p>
+          <a:p>
+            <a:r>
+              <a:rPr lang="pl-PL" dirty="0"/>
+              <a:t>Dodanie testów pisania z różnymi trybami. Zdania, pojedyncze słowa.</a:t>
             </a:r>
           </a:p>
         </p:txBody>
